--- a/MSDS6306 CaseStudy1_final.pptx
+++ b/MSDS6306 CaseStudy1_final.pptx
@@ -223,7 +223,7 @@
           <a:p>
             <a:fld id="{BEE42858-6AE9-4C00-8C12-8DA6558F001B}" type="datetimeFigureOut">
               <a:rPr lang="en-US" smtClean="0"/>
-              <a:t>2/24/2019</a:t>
+              <a:t>2/25/2019</a:t>
             </a:fld>
             <a:endParaRPr lang="en-US"/>
           </a:p>
@@ -622,6 +622,212 @@
           <a:lstStyle/>
           <a:p>
             <a:r>
+              <a:rPr lang="en-US" dirty="0"/>
+              <a:t>The source of the data used in the analysis were from the  Breweries and Beers csv files.  This data provided information on 558 Microbreweries as well as 2410 US Craft Beers.</a:t>
+            </a:r>
+          </a:p>
+        </p:txBody>
+      </p:sp>
+      <p:sp>
+        <p:nvSpPr>
+          <p:cNvPr id="4" name="Slide Number Placeholder 3"/>
+          <p:cNvSpPr>
+            <a:spLocks noGrp="1"/>
+          </p:cNvSpPr>
+          <p:nvPr>
+            <p:ph type="sldNum" sz="quarter" idx="5"/>
+          </p:nvPr>
+        </p:nvSpPr>
+        <p:spPr/>
+        <p:txBody>
+          <a:bodyPr/>
+          <a:lstStyle/>
+          <a:p>
+            <a:fld id="{98304B43-EFD9-4AAB-A534-A56C9AC7DAE0}" type="slidenum">
+              <a:rPr lang="en-US" smtClean="0"/>
+              <a:t>3</a:t>
+            </a:fld>
+            <a:endParaRPr lang="en-US"/>
+          </a:p>
+        </p:txBody>
+      </p:sp>
+    </p:spTree>
+    <p:extLst>
+      <p:ext uri="{BB962C8B-B14F-4D97-AF65-F5344CB8AC3E}">
+        <p14:creationId xmlns:p14="http://schemas.microsoft.com/office/powerpoint/2010/main" val="176420688"/>
+      </p:ext>
+    </p:extLst>
+  </p:cSld>
+  <p:clrMapOvr>
+    <a:masterClrMapping/>
+  </p:clrMapOvr>
+</p:notes>
+</file>
+
+<file path=ppt/notesSlides/notesSlide3.xml><?xml version="1.0" encoding="utf-8"?>
+<p:notes xmlns:a="http://schemas.openxmlformats.org/drawingml/2006/main" xmlns:r="http://schemas.openxmlformats.org/officeDocument/2006/relationships" xmlns:p="http://schemas.openxmlformats.org/presentationml/2006/main">
+  <p:cSld>
+    <p:spTree>
+      <p:nvGrpSpPr>
+        <p:cNvPr id="1" name=""/>
+        <p:cNvGrpSpPr/>
+        <p:nvPr/>
+      </p:nvGrpSpPr>
+      <p:grpSpPr>
+        <a:xfrm>
+          <a:off x="0" y="0"/>
+          <a:ext cx="0" cy="0"/>
+          <a:chOff x="0" y="0"/>
+          <a:chExt cx="0" cy="0"/>
+        </a:xfrm>
+      </p:grpSpPr>
+      <p:sp>
+        <p:nvSpPr>
+          <p:cNvPr id="2" name="Slide Image Placeholder 1"/>
+          <p:cNvSpPr>
+            <a:spLocks noGrp="1" noRot="1" noChangeAspect="1"/>
+          </p:cNvSpPr>
+          <p:nvPr>
+            <p:ph type="sldImg"/>
+          </p:nvPr>
+        </p:nvSpPr>
+        <p:spPr/>
+      </p:sp>
+      <p:sp>
+        <p:nvSpPr>
+          <p:cNvPr id="3" name="Notes Placeholder 2"/>
+          <p:cNvSpPr>
+            <a:spLocks noGrp="1"/>
+          </p:cNvSpPr>
+          <p:nvPr>
+            <p:ph type="body" idx="1"/>
+          </p:nvPr>
+        </p:nvSpPr>
+        <p:spPr/>
+        <p:txBody>
+          <a:bodyPr/>
+          <a:lstStyle/>
+          <a:p>
+            <a:r>
+              <a:rPr lang="en-US" dirty="0"/>
+              <a:t>The Analysis that we are providing was performed in R with the use of </a:t>
+            </a:r>
+            <a:r>
+              <a:rPr lang="en-US" dirty="0" err="1"/>
+              <a:t>dplyr</a:t>
+            </a:r>
+            <a:r>
+              <a:rPr lang="en-US" dirty="0"/>
+              <a:t>, </a:t>
+            </a:r>
+            <a:r>
+              <a:rPr lang="en-US" dirty="0" err="1"/>
+              <a:t>knitr</a:t>
+            </a:r>
+            <a:r>
+              <a:rPr lang="en-US" dirty="0"/>
+              <a:t>, </a:t>
+            </a:r>
+            <a:r>
+              <a:rPr lang="en-US" dirty="0" err="1"/>
+              <a:t>rvest</a:t>
+            </a:r>
+            <a:r>
+              <a:rPr lang="en-US" dirty="0"/>
+              <a:t>, ggplot2, psych, maps, and </a:t>
+            </a:r>
+            <a:r>
+              <a:rPr lang="en-US" dirty="0" err="1"/>
+              <a:t>plyr</a:t>
+            </a:r>
+            <a:r>
+              <a:rPr lang="en-US" dirty="0"/>
+              <a:t> libraries.</a:t>
+            </a:r>
+          </a:p>
+        </p:txBody>
+      </p:sp>
+      <p:sp>
+        <p:nvSpPr>
+          <p:cNvPr id="4" name="Slide Number Placeholder 3"/>
+          <p:cNvSpPr>
+            <a:spLocks noGrp="1"/>
+          </p:cNvSpPr>
+          <p:nvPr>
+            <p:ph type="sldNum" sz="quarter" idx="5"/>
+          </p:nvPr>
+        </p:nvSpPr>
+        <p:spPr/>
+        <p:txBody>
+          <a:bodyPr/>
+          <a:lstStyle/>
+          <a:p>
+            <a:fld id="{98304B43-EFD9-4AAB-A534-A56C9AC7DAE0}" type="slidenum">
+              <a:rPr lang="en-US" smtClean="0"/>
+              <a:t>4</a:t>
+            </a:fld>
+            <a:endParaRPr lang="en-US"/>
+          </a:p>
+        </p:txBody>
+      </p:sp>
+    </p:spTree>
+    <p:extLst>
+      <p:ext uri="{BB962C8B-B14F-4D97-AF65-F5344CB8AC3E}">
+        <p14:creationId xmlns:p14="http://schemas.microsoft.com/office/powerpoint/2010/main" val="57456309"/>
+      </p:ext>
+    </p:extLst>
+  </p:cSld>
+  <p:clrMapOvr>
+    <a:masterClrMapping/>
+  </p:clrMapOvr>
+</p:notes>
+</file>
+
+<file path=ppt/notesSlides/notesSlide4.xml><?xml version="1.0" encoding="utf-8"?>
+<p:notes xmlns:a="http://schemas.openxmlformats.org/drawingml/2006/main" xmlns:r="http://schemas.openxmlformats.org/officeDocument/2006/relationships" xmlns:p="http://schemas.openxmlformats.org/presentationml/2006/main">
+  <p:cSld>
+    <p:spTree>
+      <p:nvGrpSpPr>
+        <p:cNvPr id="1" name=""/>
+        <p:cNvGrpSpPr/>
+        <p:nvPr/>
+      </p:nvGrpSpPr>
+      <p:grpSpPr>
+        <a:xfrm>
+          <a:off x="0" y="0"/>
+          <a:ext cx="0" cy="0"/>
+          <a:chOff x="0" y="0"/>
+          <a:chExt cx="0" cy="0"/>
+        </a:xfrm>
+      </p:grpSpPr>
+      <p:sp>
+        <p:nvSpPr>
+          <p:cNvPr id="2" name="Slide Image Placeholder 1"/>
+          <p:cNvSpPr>
+            <a:spLocks noGrp="1" noRot="1" noChangeAspect="1"/>
+          </p:cNvSpPr>
+          <p:nvPr>
+            <p:ph type="sldImg"/>
+          </p:nvPr>
+        </p:nvSpPr>
+        <p:spPr/>
+      </p:sp>
+      <p:sp>
+        <p:nvSpPr>
+          <p:cNvPr id="3" name="Notes Placeholder 2"/>
+          <p:cNvSpPr>
+            <a:spLocks noGrp="1"/>
+          </p:cNvSpPr>
+          <p:nvPr>
+            <p:ph type="body" idx="1"/>
+          </p:nvPr>
+        </p:nvSpPr>
+        <p:spPr/>
+        <p:txBody>
+          <a:bodyPr/>
+          <a:lstStyle/>
+          <a:p>
+            <a:r>
               <a:rPr lang="en-US" sz="1200" b="0" i="0" kern="1200" dirty="0">
                 <a:solidFill>
                   <a:schemeClr val="tx1"/>
@@ -631,7 +837,7 @@
                 <a:ea typeface="+mn-ea"/>
                 <a:cs typeface="+mn-cs"/>
               </a:rPr>
-              <a:t>According to data from the Brewer’s Association the number of microbreweries in the US jumped from 620 in 2010 to 2,626 in 2015.</a:t>
+              <a:t>Now according to data from the Brewer’s Association, the number of microbreweries in the US jumped from 620 in the year 2010 to 2,626 in year 2015.</a:t>
             </a:r>
           </a:p>
           <a:p>
@@ -648,6 +854,32 @@
               </a:rPr>
               <a:t>https://www.brewersassociation.org/statistics/number-of-breweries/</a:t>
             </a:r>
+            <a:r>
+              <a:rPr lang="en-US" sz="1200" b="0" i="0" u="none" strike="noStrike" kern="1200" dirty="0">
+                <a:solidFill>
+                  <a:schemeClr val="tx1"/>
+                </a:solidFill>
+                <a:effectLst/>
+                <a:latin typeface="+mn-lt"/>
+                <a:ea typeface="+mn-ea"/>
+                <a:cs typeface="+mn-cs"/>
+              </a:rPr>
+              <a:t>.  </a:t>
+            </a:r>
+          </a:p>
+          <a:p>
+            <a:r>
+              <a:rPr lang="en-US" sz="1200" b="0" i="0" u="none" strike="noStrike" kern="1200" dirty="0">
+                <a:solidFill>
+                  <a:schemeClr val="tx1"/>
+                </a:solidFill>
+                <a:effectLst/>
+                <a:latin typeface="+mn-lt"/>
+                <a:ea typeface="+mn-ea"/>
+                <a:cs typeface="+mn-cs"/>
+              </a:rPr>
+              <a:t>A pattern is emerging in the Brewing business.</a:t>
+            </a:r>
             <a:endParaRPr lang="en-US" sz="1200" b="0" i="0" kern="1200" dirty="0">
               <a:solidFill>
                 <a:schemeClr val="tx1"/>
@@ -690,6 +922,279 @@
     <p:extLst>
       <p:ext uri="{BB962C8B-B14F-4D97-AF65-F5344CB8AC3E}">
         <p14:creationId xmlns:p14="http://schemas.microsoft.com/office/powerpoint/2010/main" val="3850243404"/>
+      </p:ext>
+    </p:extLst>
+  </p:cSld>
+  <p:clrMapOvr>
+    <a:masterClrMapping/>
+  </p:clrMapOvr>
+</p:notes>
+</file>
+
+<file path=ppt/notesSlides/notesSlide5.xml><?xml version="1.0" encoding="utf-8"?>
+<p:notes xmlns:a="http://schemas.openxmlformats.org/drawingml/2006/main" xmlns:r="http://schemas.openxmlformats.org/officeDocument/2006/relationships" xmlns:p="http://schemas.openxmlformats.org/presentationml/2006/main">
+  <p:cSld>
+    <p:spTree>
+      <p:nvGrpSpPr>
+        <p:cNvPr id="1" name=""/>
+        <p:cNvGrpSpPr/>
+        <p:nvPr/>
+      </p:nvGrpSpPr>
+      <p:grpSpPr>
+        <a:xfrm>
+          <a:off x="0" y="0"/>
+          <a:ext cx="0" cy="0"/>
+          <a:chOff x="0" y="0"/>
+          <a:chExt cx="0" cy="0"/>
+        </a:xfrm>
+      </p:grpSpPr>
+      <p:sp>
+        <p:nvSpPr>
+          <p:cNvPr id="2" name="Slide Image Placeholder 1"/>
+          <p:cNvSpPr>
+            <a:spLocks noGrp="1" noRot="1" noChangeAspect="1"/>
+          </p:cNvSpPr>
+          <p:nvPr>
+            <p:ph type="sldImg"/>
+          </p:nvPr>
+        </p:nvSpPr>
+        <p:spPr/>
+      </p:sp>
+      <p:sp>
+        <p:nvSpPr>
+          <p:cNvPr id="3" name="Notes Placeholder 2"/>
+          <p:cNvSpPr>
+            <a:spLocks noGrp="1"/>
+          </p:cNvSpPr>
+          <p:nvPr>
+            <p:ph type="body" idx="1"/>
+          </p:nvPr>
+        </p:nvSpPr>
+        <p:spPr/>
+        <p:txBody>
+          <a:bodyPr/>
+          <a:lstStyle/>
+          <a:p>
+            <a:r>
+              <a:rPr lang="en-US" dirty="0"/>
+              <a:t>Read slides</a:t>
+            </a:r>
+          </a:p>
+        </p:txBody>
+      </p:sp>
+      <p:sp>
+        <p:nvSpPr>
+          <p:cNvPr id="4" name="Slide Number Placeholder 3"/>
+          <p:cNvSpPr>
+            <a:spLocks noGrp="1"/>
+          </p:cNvSpPr>
+          <p:nvPr>
+            <p:ph type="sldNum" sz="quarter" idx="5"/>
+          </p:nvPr>
+        </p:nvSpPr>
+        <p:spPr/>
+        <p:txBody>
+          <a:bodyPr/>
+          <a:lstStyle/>
+          <a:p>
+            <a:fld id="{98304B43-EFD9-4AAB-A534-A56C9AC7DAE0}" type="slidenum">
+              <a:rPr lang="en-US" smtClean="0"/>
+              <a:t>6</a:t>
+            </a:fld>
+            <a:endParaRPr lang="en-US"/>
+          </a:p>
+        </p:txBody>
+      </p:sp>
+    </p:spTree>
+    <p:extLst>
+      <p:ext uri="{BB962C8B-B14F-4D97-AF65-F5344CB8AC3E}">
+        <p14:creationId xmlns:p14="http://schemas.microsoft.com/office/powerpoint/2010/main" val="2846157518"/>
+      </p:ext>
+    </p:extLst>
+  </p:cSld>
+  <p:clrMapOvr>
+    <a:masterClrMapping/>
+  </p:clrMapOvr>
+</p:notes>
+</file>
+
+<file path=ppt/notesSlides/notesSlide6.xml><?xml version="1.0" encoding="utf-8"?>
+<p:notes xmlns:a="http://schemas.openxmlformats.org/drawingml/2006/main" xmlns:r="http://schemas.openxmlformats.org/officeDocument/2006/relationships" xmlns:p="http://schemas.openxmlformats.org/presentationml/2006/main">
+  <p:cSld>
+    <p:spTree>
+      <p:nvGrpSpPr>
+        <p:cNvPr id="1" name=""/>
+        <p:cNvGrpSpPr/>
+        <p:nvPr/>
+      </p:nvGrpSpPr>
+      <p:grpSpPr>
+        <a:xfrm>
+          <a:off x="0" y="0"/>
+          <a:ext cx="0" cy="0"/>
+          <a:chOff x="0" y="0"/>
+          <a:chExt cx="0" cy="0"/>
+        </a:xfrm>
+      </p:grpSpPr>
+      <p:sp>
+        <p:nvSpPr>
+          <p:cNvPr id="2" name="Slide Image Placeholder 1"/>
+          <p:cNvSpPr>
+            <a:spLocks noGrp="1" noRot="1" noChangeAspect="1"/>
+          </p:cNvSpPr>
+          <p:nvPr>
+            <p:ph type="sldImg"/>
+          </p:nvPr>
+        </p:nvSpPr>
+        <p:spPr/>
+      </p:sp>
+      <p:sp>
+        <p:nvSpPr>
+          <p:cNvPr id="3" name="Notes Placeholder 2"/>
+          <p:cNvSpPr>
+            <a:spLocks noGrp="1"/>
+          </p:cNvSpPr>
+          <p:nvPr>
+            <p:ph type="body" idx="1"/>
+          </p:nvPr>
+        </p:nvSpPr>
+        <p:spPr/>
+        <p:txBody>
+          <a:bodyPr/>
+          <a:lstStyle/>
+          <a:p>
+            <a:r>
+              <a:rPr lang="en-US" dirty="0"/>
+              <a:t>Of specific interest is the location of these Breweries.  </a:t>
+            </a:r>
+          </a:p>
+          <a:p>
+            <a:r>
+              <a:rPr lang="en-US" dirty="0"/>
+              <a:t>From the data, the specific brewery count per state was generated and the location of where those counts reside is shown here on the map.  </a:t>
+            </a:r>
+          </a:p>
+          <a:p>
+            <a:r>
+              <a:rPr lang="en-US" dirty="0"/>
+              <a:t>Rather large counts of breweries are emerging in different parts of the US.</a:t>
+            </a:r>
+          </a:p>
+        </p:txBody>
+      </p:sp>
+      <p:sp>
+        <p:nvSpPr>
+          <p:cNvPr id="4" name="Slide Number Placeholder 3"/>
+          <p:cNvSpPr>
+            <a:spLocks noGrp="1"/>
+          </p:cNvSpPr>
+          <p:nvPr>
+            <p:ph type="sldNum" sz="quarter" idx="5"/>
+          </p:nvPr>
+        </p:nvSpPr>
+        <p:spPr/>
+        <p:txBody>
+          <a:bodyPr/>
+          <a:lstStyle/>
+          <a:p>
+            <a:fld id="{98304B43-EFD9-4AAB-A534-A56C9AC7DAE0}" type="slidenum">
+              <a:rPr lang="en-US" smtClean="0"/>
+              <a:t>7</a:t>
+            </a:fld>
+            <a:endParaRPr lang="en-US"/>
+          </a:p>
+        </p:txBody>
+      </p:sp>
+    </p:spTree>
+    <p:extLst>
+      <p:ext uri="{BB962C8B-B14F-4D97-AF65-F5344CB8AC3E}">
+        <p14:creationId xmlns:p14="http://schemas.microsoft.com/office/powerpoint/2010/main" val="2590191516"/>
+      </p:ext>
+    </p:extLst>
+  </p:cSld>
+  <p:clrMapOvr>
+    <a:masterClrMapping/>
+  </p:clrMapOvr>
+</p:notes>
+</file>
+
+<file path=ppt/notesSlides/notesSlide7.xml><?xml version="1.0" encoding="utf-8"?>
+<p:notes xmlns:a="http://schemas.openxmlformats.org/drawingml/2006/main" xmlns:r="http://schemas.openxmlformats.org/officeDocument/2006/relationships" xmlns:p="http://schemas.openxmlformats.org/presentationml/2006/main">
+  <p:cSld>
+    <p:spTree>
+      <p:nvGrpSpPr>
+        <p:cNvPr id="1" name=""/>
+        <p:cNvGrpSpPr/>
+        <p:nvPr/>
+      </p:nvGrpSpPr>
+      <p:grpSpPr>
+        <a:xfrm>
+          <a:off x="0" y="0"/>
+          <a:ext cx="0" cy="0"/>
+          <a:chOff x="0" y="0"/>
+          <a:chExt cx="0" cy="0"/>
+        </a:xfrm>
+      </p:grpSpPr>
+      <p:sp>
+        <p:nvSpPr>
+          <p:cNvPr id="2" name="Slide Image Placeholder 1"/>
+          <p:cNvSpPr>
+            <a:spLocks noGrp="1" noRot="1" noChangeAspect="1"/>
+          </p:cNvSpPr>
+          <p:nvPr>
+            <p:ph type="sldImg"/>
+          </p:nvPr>
+        </p:nvSpPr>
+        <p:spPr/>
+      </p:sp>
+      <p:sp>
+        <p:nvSpPr>
+          <p:cNvPr id="3" name="Notes Placeholder 2"/>
+          <p:cNvSpPr>
+            <a:spLocks noGrp="1"/>
+          </p:cNvSpPr>
+          <p:nvPr>
+            <p:ph type="body" idx="1"/>
+          </p:nvPr>
+        </p:nvSpPr>
+        <p:spPr/>
+        <p:txBody>
+          <a:bodyPr/>
+          <a:lstStyle/>
+          <a:p>
+            <a:r>
+              <a:rPr lang="en-US" dirty="0"/>
+              <a:t>Taken from another view, when the data is sorted in descending order, we see that the largest amount of breweries were found in the state of Colorado, followed by California and Michigan.  Now, my colleague Karen will now go into some further analysis of the data.</a:t>
+            </a:r>
+          </a:p>
+        </p:txBody>
+      </p:sp>
+      <p:sp>
+        <p:nvSpPr>
+          <p:cNvPr id="4" name="Slide Number Placeholder 3"/>
+          <p:cNvSpPr>
+            <a:spLocks noGrp="1"/>
+          </p:cNvSpPr>
+          <p:nvPr>
+            <p:ph type="sldNum" sz="quarter" idx="5"/>
+          </p:nvPr>
+        </p:nvSpPr>
+        <p:spPr/>
+        <p:txBody>
+          <a:bodyPr/>
+          <a:lstStyle/>
+          <a:p>
+            <a:fld id="{98304B43-EFD9-4AAB-A534-A56C9AC7DAE0}" type="slidenum">
+              <a:rPr lang="en-US" smtClean="0"/>
+              <a:t>8</a:t>
+            </a:fld>
+            <a:endParaRPr lang="en-US"/>
+          </a:p>
+        </p:txBody>
+      </p:sp>
+    </p:spTree>
+    <p:extLst>
+      <p:ext uri="{BB962C8B-B14F-4D97-AF65-F5344CB8AC3E}">
+        <p14:creationId xmlns:p14="http://schemas.microsoft.com/office/powerpoint/2010/main" val="1870486847"/>
       </p:ext>
     </p:extLst>
   </p:cSld>
@@ -978,7 +1483,7 @@
           <a:p>
             <a:fld id="{086A6E24-93A8-4C49-AE55-25DDC1E992FE}" type="datetimeFigureOut">
               <a:rPr lang="en-US" smtClean="0"/>
-              <a:t>2/24/2019</a:t>
+              <a:t>2/25/2019</a:t>
             </a:fld>
             <a:endParaRPr lang="en-US" dirty="0"/>
           </a:p>
@@ -1369,7 +1874,7 @@
           <a:p>
             <a:fld id="{086A6E24-93A8-4C49-AE55-25DDC1E992FE}" type="datetimeFigureOut">
               <a:rPr lang="en-US" smtClean="0"/>
-              <a:t>2/24/2019</a:t>
+              <a:t>2/25/2019</a:t>
             </a:fld>
             <a:endParaRPr lang="en-US" dirty="0"/>
           </a:p>
@@ -1901,7 +2406,7 @@
           <a:p>
             <a:fld id="{086A6E24-93A8-4C49-AE55-25DDC1E992FE}" type="datetimeFigureOut">
               <a:rPr lang="en-US" smtClean="0"/>
-              <a:t>2/24/2019</a:t>
+              <a:t>2/25/2019</a:t>
             </a:fld>
             <a:endParaRPr lang="en-US" dirty="0"/>
           </a:p>
@@ -2032,7 +2537,7 @@
           <a:p>
             <a:fld id="{086A6E24-93A8-4C49-AE55-25DDC1E992FE}" type="datetimeFigureOut">
               <a:rPr lang="en-US" smtClean="0"/>
-              <a:t>2/24/2019</a:t>
+              <a:t>2/25/2019</a:t>
             </a:fld>
             <a:endParaRPr lang="en-US" dirty="0"/>
           </a:p>
@@ -2575,7 +3080,7 @@
           <a:p>
             <a:fld id="{086A6E24-93A8-4C49-AE55-25DDC1E992FE}" type="datetimeFigureOut">
               <a:rPr lang="en-US" smtClean="0"/>
-              <a:t>2/24/2019</a:t>
+              <a:t>2/25/2019</a:t>
             </a:fld>
             <a:endParaRPr lang="en-US" dirty="0"/>
           </a:p>
@@ -2868,7 +3373,7 @@
           <a:p>
             <a:fld id="{086A6E24-93A8-4C49-AE55-25DDC1E992FE}" type="datetimeFigureOut">
               <a:rPr lang="en-US" smtClean="0"/>
-              <a:t>2/24/2019</a:t>
+              <a:t>2/25/2019</a:t>
             </a:fld>
             <a:endParaRPr lang="en-US" dirty="0"/>
           </a:p>
@@ -3527,7 +4032,7 @@
           <a:p>
             <a:fld id="{086A6E24-93A8-4C49-AE55-25DDC1E992FE}" type="datetimeFigureOut">
               <a:rPr lang="en-US" smtClean="0"/>
-              <a:t>2/24/2019</a:t>
+              <a:t>2/25/2019</a:t>
             </a:fld>
             <a:endParaRPr lang="en-US" dirty="0"/>
           </a:p>
@@ -3961,7 +4466,7 @@
           <a:p>
             <a:fld id="{086A6E24-93A8-4C49-AE55-25DDC1E992FE}" type="datetimeFigureOut">
               <a:rPr lang="en-US" smtClean="0"/>
-              <a:t>2/24/2019</a:t>
+              <a:t>2/25/2019</a:t>
             </a:fld>
             <a:endParaRPr lang="en-US" dirty="0"/>
           </a:p>
@@ -4274,7 +4779,7 @@
           <a:p>
             <a:fld id="{086A6E24-93A8-4C49-AE55-25DDC1E992FE}" type="datetimeFigureOut">
               <a:rPr lang="en-US" smtClean="0"/>
-              <a:t>2/24/2019</a:t>
+              <a:t>2/25/2019</a:t>
             </a:fld>
             <a:endParaRPr lang="en-US" dirty="0"/>
           </a:p>
@@ -5005,7 +5510,7 @@
           <a:p>
             <a:fld id="{086A6E24-93A8-4C49-AE55-25DDC1E992FE}" type="datetimeFigureOut">
               <a:rPr lang="en-US" smtClean="0"/>
-              <a:t>2/24/2019</a:t>
+              <a:t>2/25/2019</a:t>
             </a:fld>
             <a:endParaRPr lang="en-US" dirty="0"/>
           </a:p>
@@ -5667,7 +6172,7 @@
           <a:p>
             <a:fld id="{086A6E24-93A8-4C49-AE55-25DDC1E992FE}" type="datetimeFigureOut">
               <a:rPr lang="en-US" smtClean="0"/>
-              <a:t>2/24/2019</a:t>
+              <a:t>2/25/2019</a:t>
             </a:fld>
             <a:endParaRPr lang="en-US" dirty="0"/>
           </a:p>
@@ -5940,7 +6445,7 @@
           <a:p>
             <a:fld id="{086A6E24-93A8-4C49-AE55-25DDC1E992FE}" type="datetimeFigureOut">
               <a:rPr lang="en-US" smtClean="0"/>
-              <a:t>2/24/2019</a:t>
+              <a:t>2/25/2019</a:t>
             </a:fld>
             <a:endParaRPr lang="en-US" dirty="0"/>
           </a:p>
@@ -8424,7 +8929,7 @@
           <p:nvPr/>
         </p:nvPicPr>
         <p:blipFill rotWithShape="1">
-          <a:blip r:embed="rId2">
+          <a:blip r:embed="rId3">
             <a:extLst>
               <a:ext uri="{28A0092B-C50C-407E-A947-70E740481C1C}">
                 <a14:useLocalDpi xmlns:a14="http://schemas.microsoft.com/office/drawing/2010/main" val="0"/>
@@ -8565,7 +9070,7 @@
           <p:nvPr/>
         </p:nvPicPr>
         <p:blipFill>
-          <a:blip r:embed="rId2" cstate="print">
+          <a:blip r:embed="rId3" cstate="print">
             <a:extLst>
               <a:ext uri="{28A0092B-C50C-407E-A947-70E740481C1C}">
                 <a14:useLocalDpi xmlns:a14="http://schemas.microsoft.com/office/drawing/2010/main" val="0"/>
@@ -8596,7 +9101,7 @@
           <p:nvPr/>
         </p:nvPicPr>
         <p:blipFill>
-          <a:blip r:embed="rId3">
+          <a:blip r:embed="rId4">
             <a:extLst>
               <a:ext uri="{28A0092B-C50C-407E-A947-70E740481C1C}">
                 <a14:useLocalDpi xmlns:a14="http://schemas.microsoft.com/office/drawing/2010/main" val="0"/>
@@ -9147,7 +9652,7 @@
           <p:nvPr/>
         </p:nvPicPr>
         <p:blipFill rotWithShape="1">
-          <a:blip r:embed="rId2">
+          <a:blip r:embed="rId3">
             <a:extLst>
               <a:ext uri="{28A0092B-C50C-407E-A947-70E740481C1C}">
                 <a14:useLocalDpi xmlns:a14="http://schemas.microsoft.com/office/drawing/2010/main" val="0"/>
@@ -9248,11 +9753,11 @@
           </p:nvPr>
         </p:nvPicPr>
         <p:blipFill rotWithShape="1">
-          <a:blip r:embed="rId2">
+          <a:blip r:embed="rId3">
             <a:extLst>
               <a:ext uri="{BEBA8EAE-BF5A-486C-A8C5-ECC9F3942E4B}">
                 <a14:imgProps xmlns:a14="http://schemas.microsoft.com/office/drawing/2010/main">
-                  <a14:imgLayer r:embed="rId3">
+                  <a14:imgLayer r:embed="rId4">
                     <a14:imgEffect>
                       <a14:colorTemperature colorTemp="7000"/>
                     </a14:imgEffect>
@@ -9283,7 +9788,7 @@
           <p:nvPr/>
         </p:nvPicPr>
         <p:blipFill rotWithShape="1">
-          <a:blip r:embed="rId4">
+          <a:blip r:embed="rId5">
             <a:extLst>
               <a:ext uri="{28A0092B-C50C-407E-A947-70E740481C1C}">
                 <a14:useLocalDpi xmlns:a14="http://schemas.microsoft.com/office/drawing/2010/main" val="0"/>
@@ -9546,11 +10051,11 @@
           <p:nvPr/>
         </p:nvPicPr>
         <p:blipFill rotWithShape="1">
-          <a:blip r:embed="rId2">
+          <a:blip r:embed="rId3">
             <a:extLst>
               <a:ext uri="{BEBA8EAE-BF5A-486C-A8C5-ECC9F3942E4B}">
                 <a14:imgProps xmlns:a14="http://schemas.microsoft.com/office/drawing/2010/main">
-                  <a14:imgLayer r:embed="rId3">
+                  <a14:imgLayer r:embed="rId4">
                     <a14:imgEffect>
                       <a14:sharpenSoften amount="33000"/>
                     </a14:imgEffect>
@@ -9774,7 +10279,7 @@
           <p:nvPr/>
         </p:nvPicPr>
         <p:blipFill>
-          <a:blip r:embed="rId4">
+          <a:blip r:embed="rId5">
             <a:extLst>
               <a:ext uri="{28A0092B-C50C-407E-A947-70E740481C1C}">
                 <a14:useLocalDpi xmlns:a14="http://schemas.microsoft.com/office/drawing/2010/main" val="0"/>
